--- a/BE project/review 4.pptx
+++ b/BE project/review 4.pptx
@@ -12,6 +12,17 @@
     <p:sldId id="261" r:id="rId6"/>
     <p:sldId id="262" r:id="rId7"/>
     <p:sldId id="263" r:id="rId8"/>
+    <p:sldId id="264" r:id="rId9"/>
+    <p:sldId id="265" r:id="rId10"/>
+    <p:sldId id="266" r:id="rId11"/>
+    <p:sldId id="267" r:id="rId12"/>
+    <p:sldId id="268" r:id="rId13"/>
+    <p:sldId id="269" r:id="rId14"/>
+    <p:sldId id="270" r:id="rId15"/>
+    <p:sldId id="271" r:id="rId16"/>
+    <p:sldId id="272" r:id="rId17"/>
+    <p:sldId id="273" r:id="rId18"/>
+    <p:sldId id="274" r:id="rId19"/>
   </p:sldIdLst>
   <p:sldSz cx="9144000" cy="6858000" type="screen4x3"/>
   <p:notesSz cx="6858000" cy="9144000"/>
@@ -322,7 +333,7 @@
             <a:fld id="{1D8BD707-D9CF-40AE-B4C6-C98DA3205C09}" type="datetimeFigureOut">
               <a:rPr lang="en-US" smtClean="0"/>
               <a:pPr/>
-              <a:t>10/17/2018</a:t>
+              <a:t>12/20/2018</a:t>
             </a:fld>
             <a:endParaRPr lang="en-US"/>
           </a:p>
@@ -488,7 +499,7 @@
             <a:fld id="{1D8BD707-D9CF-40AE-B4C6-C98DA3205C09}" type="datetimeFigureOut">
               <a:rPr lang="en-US" smtClean="0"/>
               <a:pPr/>
-              <a:t>10/17/2018</a:t>
+              <a:t>12/20/2018</a:t>
             </a:fld>
             <a:endParaRPr lang="en-US"/>
           </a:p>
@@ -664,7 +675,7 @@
             <a:fld id="{1D8BD707-D9CF-40AE-B4C6-C98DA3205C09}" type="datetimeFigureOut">
               <a:rPr lang="en-US" smtClean="0"/>
               <a:pPr/>
-              <a:t>10/17/2018</a:t>
+              <a:t>12/20/2018</a:t>
             </a:fld>
             <a:endParaRPr lang="en-US"/>
           </a:p>
@@ -849,7 +860,7 @@
             <a:fld id="{1D8BD707-D9CF-40AE-B4C6-C98DA3205C09}" type="datetimeFigureOut">
               <a:rPr lang="en-US" smtClean="0"/>
               <a:pPr/>
-              <a:t>10/17/2018</a:t>
+              <a:t>12/20/2018</a:t>
             </a:fld>
             <a:endParaRPr lang="en-US"/>
           </a:p>
@@ -1113,7 +1124,7 @@
             <a:fld id="{1D8BD707-D9CF-40AE-B4C6-C98DA3205C09}" type="datetimeFigureOut">
               <a:rPr lang="en-US" smtClean="0"/>
               <a:pPr/>
-              <a:t>10/17/2018</a:t>
+              <a:t>12/20/2018</a:t>
             </a:fld>
             <a:endParaRPr lang="en-US"/>
           </a:p>
@@ -1462,7 +1473,7 @@
             <a:fld id="{1D8BD707-D9CF-40AE-B4C6-C98DA3205C09}" type="datetimeFigureOut">
               <a:rPr lang="en-US" smtClean="0"/>
               <a:pPr/>
-              <a:t>10/17/2018</a:t>
+              <a:t>12/20/2018</a:t>
             </a:fld>
             <a:endParaRPr lang="en-US"/>
           </a:p>
@@ -1770,7 +1781,7 @@
             <a:fld id="{1D8BD707-D9CF-40AE-B4C6-C98DA3205C09}" type="datetimeFigureOut">
               <a:rPr lang="en-US" smtClean="0"/>
               <a:pPr/>
-              <a:t>10/17/2018</a:t>
+              <a:t>12/20/2018</a:t>
             </a:fld>
             <a:endParaRPr lang="en-US"/>
           </a:p>
@@ -1999,7 +2010,7 @@
             <a:fld id="{1D8BD707-D9CF-40AE-B4C6-C98DA3205C09}" type="datetimeFigureOut">
               <a:rPr lang="en-US" smtClean="0"/>
               <a:pPr/>
-              <a:t>10/17/2018</a:t>
+              <a:t>12/20/2018</a:t>
             </a:fld>
             <a:endParaRPr lang="en-US"/>
           </a:p>
@@ -2091,7 +2102,7 @@
             <a:fld id="{1D8BD707-D9CF-40AE-B4C6-C98DA3205C09}" type="datetimeFigureOut">
               <a:rPr lang="en-US" smtClean="0"/>
               <a:pPr/>
-              <a:t>10/17/2018</a:t>
+              <a:t>12/20/2018</a:t>
             </a:fld>
             <a:endParaRPr lang="en-US"/>
           </a:p>
@@ -2381,7 +2392,7 @@
             <a:fld id="{1D8BD707-D9CF-40AE-B4C6-C98DA3205C09}" type="datetimeFigureOut">
               <a:rPr lang="en-US" smtClean="0"/>
               <a:pPr/>
-              <a:t>10/17/2018</a:t>
+              <a:t>12/20/2018</a:t>
             </a:fld>
             <a:endParaRPr lang="en-US"/>
           </a:p>
@@ -2652,7 +2663,7 @@
             <a:fld id="{1D8BD707-D9CF-40AE-B4C6-C98DA3205C09}" type="datetimeFigureOut">
               <a:rPr lang="en-US" smtClean="0"/>
               <a:pPr/>
-              <a:t>10/17/2018</a:t>
+              <a:t>12/20/2018</a:t>
             </a:fld>
             <a:endParaRPr lang="en-US"/>
           </a:p>
@@ -2864,7 +2875,7 @@
             <a:fld id="{1D8BD707-D9CF-40AE-B4C6-C98DA3205C09}" type="datetimeFigureOut">
               <a:rPr lang="en-US" smtClean="0"/>
               <a:pPr/>
-              <a:t>10/17/2018</a:t>
+              <a:t>12/20/2018</a:t>
             </a:fld>
             <a:endParaRPr lang="en-US"/>
           </a:p>
@@ -3493,6 +3504,853 @@
 </p:sld>
 </file>
 
+<file path=ppt/slides/slide10.xml><?xml version="1.0" encoding="utf-8"?>
+<p:sld xmlns:a="http://schemas.openxmlformats.org/drawingml/2006/main" xmlns:r="http://schemas.openxmlformats.org/officeDocument/2006/relationships" xmlns:p="http://schemas.openxmlformats.org/presentationml/2006/main">
+  <p:cSld>
+    <p:spTree>
+      <p:nvGrpSpPr>
+        <p:cNvPr id="1" name=""/>
+        <p:cNvGrpSpPr/>
+        <p:nvPr/>
+      </p:nvGrpSpPr>
+      <p:grpSpPr>
+        <a:xfrm>
+          <a:off x="0" y="0"/>
+          <a:ext cx="0" cy="0"/>
+          <a:chOff x="0" y="0"/>
+          <a:chExt cx="0" cy="0"/>
+        </a:xfrm>
+      </p:grpSpPr>
+      <p:sp>
+        <p:nvSpPr>
+          <p:cNvPr id="2" name="Title 1"/>
+          <p:cNvSpPr>
+            <a:spLocks noGrp="1"/>
+          </p:cNvSpPr>
+          <p:nvPr>
+            <p:ph type="title"/>
+          </p:nvPr>
+        </p:nvSpPr>
+        <p:spPr>
+          <a:xfrm>
+            <a:off x="422320" y="5105400"/>
+            <a:ext cx="8226380" cy="533400"/>
+          </a:xfrm>
+        </p:spPr>
+        <p:txBody>
+          <a:bodyPr/>
+          <a:lstStyle/>
+          <a:p>
+            <a:r>
+              <a:rPr lang="en-US" sz="3200" dirty="0"/>
+              <a:t>Admin management panel</a:t>
+            </a:r>
+          </a:p>
+        </p:txBody>
+      </p:sp>
+      <p:pic>
+        <p:nvPicPr>
+          <p:cNvPr id="5" name="Picture 4">
+            <a:extLst>
+              <a:ext uri="{FF2B5EF4-FFF2-40B4-BE49-F238E27FC236}">
+                <a16:creationId xmlns:a16="http://schemas.microsoft.com/office/drawing/2014/main" id="{E5365D5B-E099-4843-A0D7-86F2D761BF37}"/>
+              </a:ext>
+            </a:extLst>
+          </p:cNvPr>
+          <p:cNvPicPr>
+            <a:picLocks noChangeAspect="1"/>
+          </p:cNvPicPr>
+          <p:nvPr/>
+        </p:nvPicPr>
+        <p:blipFill>
+          <a:blip r:embed="rId2">
+            <a:extLst>
+              <a:ext uri="{28A0092B-C50C-407E-A947-70E740481C1C}">
+                <a14:useLocalDpi xmlns:a14="http://schemas.microsoft.com/office/drawing/2010/main" val="0"/>
+              </a:ext>
+            </a:extLst>
+          </a:blip>
+          <a:stretch>
+            <a:fillRect/>
+          </a:stretch>
+        </p:blipFill>
+        <p:spPr>
+          <a:xfrm>
+            <a:off x="320774" y="313299"/>
+            <a:ext cx="8502451" cy="4780295"/>
+          </a:xfrm>
+          <a:prstGeom prst="rect">
+            <a:avLst/>
+          </a:prstGeom>
+        </p:spPr>
+      </p:pic>
+    </p:spTree>
+    <p:extLst>
+      <p:ext uri="{BB962C8B-B14F-4D97-AF65-F5344CB8AC3E}">
+        <p14:creationId xmlns:p14="http://schemas.microsoft.com/office/powerpoint/2010/main" val="2214090836"/>
+      </p:ext>
+    </p:extLst>
+  </p:cSld>
+  <p:clrMapOvr>
+    <a:masterClrMapping/>
+  </p:clrMapOvr>
+</p:sld>
+</file>
+
+<file path=ppt/slides/slide11.xml><?xml version="1.0" encoding="utf-8"?>
+<p:sld xmlns:a="http://schemas.openxmlformats.org/drawingml/2006/main" xmlns:r="http://schemas.openxmlformats.org/officeDocument/2006/relationships" xmlns:p="http://schemas.openxmlformats.org/presentationml/2006/main">
+  <p:cSld>
+    <p:spTree>
+      <p:nvGrpSpPr>
+        <p:cNvPr id="1" name=""/>
+        <p:cNvGrpSpPr/>
+        <p:nvPr/>
+      </p:nvGrpSpPr>
+      <p:grpSpPr>
+        <a:xfrm>
+          <a:off x="0" y="0"/>
+          <a:ext cx="0" cy="0"/>
+          <a:chOff x="0" y="0"/>
+          <a:chExt cx="0" cy="0"/>
+        </a:xfrm>
+      </p:grpSpPr>
+      <p:sp>
+        <p:nvSpPr>
+          <p:cNvPr id="2" name="Title 1"/>
+          <p:cNvSpPr>
+            <a:spLocks noGrp="1"/>
+          </p:cNvSpPr>
+          <p:nvPr>
+            <p:ph type="title"/>
+          </p:nvPr>
+        </p:nvSpPr>
+        <p:spPr>
+          <a:xfrm>
+            <a:off x="422320" y="5105400"/>
+            <a:ext cx="8226380" cy="533400"/>
+          </a:xfrm>
+        </p:spPr>
+        <p:txBody>
+          <a:bodyPr/>
+          <a:lstStyle/>
+          <a:p>
+            <a:r>
+              <a:rPr lang="en-US" sz="3200" dirty="0"/>
+              <a:t>Staff management</a:t>
+            </a:r>
+          </a:p>
+        </p:txBody>
+      </p:sp>
+      <p:pic>
+        <p:nvPicPr>
+          <p:cNvPr id="5" name="Picture 4">
+            <a:extLst>
+              <a:ext uri="{FF2B5EF4-FFF2-40B4-BE49-F238E27FC236}">
+                <a16:creationId xmlns:a16="http://schemas.microsoft.com/office/drawing/2014/main" id="{E1B824F6-1BDE-496A-B65B-412D6A24038D}"/>
+              </a:ext>
+            </a:extLst>
+          </p:cNvPr>
+          <p:cNvPicPr>
+            <a:picLocks noChangeAspect="1"/>
+          </p:cNvPicPr>
+          <p:nvPr/>
+        </p:nvPicPr>
+        <p:blipFill>
+          <a:blip r:embed="rId2">
+            <a:extLst>
+              <a:ext uri="{28A0092B-C50C-407E-A947-70E740481C1C}">
+                <a14:useLocalDpi xmlns:a14="http://schemas.microsoft.com/office/drawing/2010/main" val="0"/>
+              </a:ext>
+            </a:extLst>
+          </a:blip>
+          <a:stretch>
+            <a:fillRect/>
+          </a:stretch>
+        </p:blipFill>
+        <p:spPr>
+          <a:xfrm>
+            <a:off x="247650" y="217122"/>
+            <a:ext cx="8648700" cy="4862520"/>
+          </a:xfrm>
+          <a:prstGeom prst="rect">
+            <a:avLst/>
+          </a:prstGeom>
+        </p:spPr>
+      </p:pic>
+    </p:spTree>
+    <p:extLst>
+      <p:ext uri="{BB962C8B-B14F-4D97-AF65-F5344CB8AC3E}">
+        <p14:creationId xmlns:p14="http://schemas.microsoft.com/office/powerpoint/2010/main" val="518282497"/>
+      </p:ext>
+    </p:extLst>
+  </p:cSld>
+  <p:clrMapOvr>
+    <a:masterClrMapping/>
+  </p:clrMapOvr>
+</p:sld>
+</file>
+
+<file path=ppt/slides/slide12.xml><?xml version="1.0" encoding="utf-8"?>
+<p:sld xmlns:a="http://schemas.openxmlformats.org/drawingml/2006/main" xmlns:r="http://schemas.openxmlformats.org/officeDocument/2006/relationships" xmlns:p="http://schemas.openxmlformats.org/presentationml/2006/main">
+  <p:cSld>
+    <p:spTree>
+      <p:nvGrpSpPr>
+        <p:cNvPr id="1" name=""/>
+        <p:cNvGrpSpPr/>
+        <p:nvPr/>
+      </p:nvGrpSpPr>
+      <p:grpSpPr>
+        <a:xfrm>
+          <a:off x="0" y="0"/>
+          <a:ext cx="0" cy="0"/>
+          <a:chOff x="0" y="0"/>
+          <a:chExt cx="0" cy="0"/>
+        </a:xfrm>
+      </p:grpSpPr>
+      <p:sp>
+        <p:nvSpPr>
+          <p:cNvPr id="2" name="Title 1"/>
+          <p:cNvSpPr>
+            <a:spLocks noGrp="1"/>
+          </p:cNvSpPr>
+          <p:nvPr>
+            <p:ph type="title"/>
+          </p:nvPr>
+        </p:nvSpPr>
+        <p:spPr>
+          <a:xfrm>
+            <a:off x="422320" y="5105400"/>
+            <a:ext cx="8226380" cy="533400"/>
+          </a:xfrm>
+        </p:spPr>
+        <p:txBody>
+          <a:bodyPr/>
+          <a:lstStyle/>
+          <a:p>
+            <a:r>
+              <a:rPr lang="en-US" sz="3200" dirty="0"/>
+              <a:t>Department management</a:t>
+            </a:r>
+          </a:p>
+        </p:txBody>
+      </p:sp>
+      <p:pic>
+        <p:nvPicPr>
+          <p:cNvPr id="5" name="Picture 4">
+            <a:extLst>
+              <a:ext uri="{FF2B5EF4-FFF2-40B4-BE49-F238E27FC236}">
+                <a16:creationId xmlns:a16="http://schemas.microsoft.com/office/drawing/2014/main" id="{9602E5B6-9ED8-4F7B-A04F-11871896D37A}"/>
+              </a:ext>
+            </a:extLst>
+          </p:cNvPr>
+          <p:cNvPicPr>
+            <a:picLocks noChangeAspect="1"/>
+          </p:cNvPicPr>
+          <p:nvPr/>
+        </p:nvPicPr>
+        <p:blipFill>
+          <a:blip r:embed="rId2">
+            <a:extLst>
+              <a:ext uri="{28A0092B-C50C-407E-A947-70E740481C1C}">
+                <a14:useLocalDpi xmlns:a14="http://schemas.microsoft.com/office/drawing/2010/main" val="0"/>
+              </a:ext>
+            </a:extLst>
+          </a:blip>
+          <a:stretch>
+            <a:fillRect/>
+          </a:stretch>
+        </p:blipFill>
+        <p:spPr>
+          <a:xfrm>
+            <a:off x="344510" y="318772"/>
+            <a:ext cx="8382000" cy="4712574"/>
+          </a:xfrm>
+          <a:prstGeom prst="rect">
+            <a:avLst/>
+          </a:prstGeom>
+        </p:spPr>
+      </p:pic>
+    </p:spTree>
+    <p:extLst>
+      <p:ext uri="{BB962C8B-B14F-4D97-AF65-F5344CB8AC3E}">
+        <p14:creationId xmlns:p14="http://schemas.microsoft.com/office/powerpoint/2010/main" val="478539581"/>
+      </p:ext>
+    </p:extLst>
+  </p:cSld>
+  <p:clrMapOvr>
+    <a:masterClrMapping/>
+  </p:clrMapOvr>
+</p:sld>
+</file>
+
+<file path=ppt/slides/slide13.xml><?xml version="1.0" encoding="utf-8"?>
+<p:sld xmlns:a="http://schemas.openxmlformats.org/drawingml/2006/main" xmlns:r="http://schemas.openxmlformats.org/officeDocument/2006/relationships" xmlns:p="http://schemas.openxmlformats.org/presentationml/2006/main">
+  <p:cSld>
+    <p:spTree>
+      <p:nvGrpSpPr>
+        <p:cNvPr id="1" name=""/>
+        <p:cNvGrpSpPr/>
+        <p:nvPr/>
+      </p:nvGrpSpPr>
+      <p:grpSpPr>
+        <a:xfrm>
+          <a:off x="0" y="0"/>
+          <a:ext cx="0" cy="0"/>
+          <a:chOff x="0" y="0"/>
+          <a:chExt cx="0" cy="0"/>
+        </a:xfrm>
+      </p:grpSpPr>
+      <p:sp>
+        <p:nvSpPr>
+          <p:cNvPr id="2" name="Title 1"/>
+          <p:cNvSpPr>
+            <a:spLocks noGrp="1"/>
+          </p:cNvSpPr>
+          <p:nvPr>
+            <p:ph type="title"/>
+          </p:nvPr>
+        </p:nvSpPr>
+        <p:spPr>
+          <a:xfrm>
+            <a:off x="422320" y="5105400"/>
+            <a:ext cx="8226380" cy="533400"/>
+          </a:xfrm>
+        </p:spPr>
+        <p:txBody>
+          <a:bodyPr/>
+          <a:lstStyle/>
+          <a:p>
+            <a:r>
+              <a:rPr lang="en-US" sz="3200" dirty="0"/>
+              <a:t>Subject management</a:t>
+            </a:r>
+          </a:p>
+        </p:txBody>
+      </p:sp>
+      <p:pic>
+        <p:nvPicPr>
+          <p:cNvPr id="5" name="Picture 4">
+            <a:extLst>
+              <a:ext uri="{FF2B5EF4-FFF2-40B4-BE49-F238E27FC236}">
+                <a16:creationId xmlns:a16="http://schemas.microsoft.com/office/drawing/2014/main" id="{50267564-637F-409F-A788-9727F1FDB78B}"/>
+              </a:ext>
+            </a:extLst>
+          </p:cNvPr>
+          <p:cNvPicPr>
+            <a:picLocks noChangeAspect="1"/>
+          </p:cNvPicPr>
+          <p:nvPr/>
+        </p:nvPicPr>
+        <p:blipFill>
+          <a:blip r:embed="rId2">
+            <a:extLst>
+              <a:ext uri="{28A0092B-C50C-407E-A947-70E740481C1C}">
+                <a14:useLocalDpi xmlns:a14="http://schemas.microsoft.com/office/drawing/2010/main" val="0"/>
+              </a:ext>
+            </a:extLst>
+          </a:blip>
+          <a:stretch>
+            <a:fillRect/>
+          </a:stretch>
+        </p:blipFill>
+        <p:spPr>
+          <a:xfrm>
+            <a:off x="306410" y="228600"/>
+            <a:ext cx="8458200" cy="4755416"/>
+          </a:xfrm>
+          <a:prstGeom prst="rect">
+            <a:avLst/>
+          </a:prstGeom>
+        </p:spPr>
+      </p:pic>
+    </p:spTree>
+    <p:extLst>
+      <p:ext uri="{BB962C8B-B14F-4D97-AF65-F5344CB8AC3E}">
+        <p14:creationId xmlns:p14="http://schemas.microsoft.com/office/powerpoint/2010/main" val="1328650494"/>
+      </p:ext>
+    </p:extLst>
+  </p:cSld>
+  <p:clrMapOvr>
+    <a:masterClrMapping/>
+  </p:clrMapOvr>
+</p:sld>
+</file>
+
+<file path=ppt/slides/slide14.xml><?xml version="1.0" encoding="utf-8"?>
+<p:sld xmlns:a="http://schemas.openxmlformats.org/drawingml/2006/main" xmlns:r="http://schemas.openxmlformats.org/officeDocument/2006/relationships" xmlns:p="http://schemas.openxmlformats.org/presentationml/2006/main">
+  <p:cSld>
+    <p:spTree>
+      <p:nvGrpSpPr>
+        <p:cNvPr id="1" name=""/>
+        <p:cNvGrpSpPr/>
+        <p:nvPr/>
+      </p:nvGrpSpPr>
+      <p:grpSpPr>
+        <a:xfrm>
+          <a:off x="0" y="0"/>
+          <a:ext cx="0" cy="0"/>
+          <a:chOff x="0" y="0"/>
+          <a:chExt cx="0" cy="0"/>
+        </a:xfrm>
+      </p:grpSpPr>
+      <p:sp>
+        <p:nvSpPr>
+          <p:cNvPr id="2" name="Title 1"/>
+          <p:cNvSpPr>
+            <a:spLocks noGrp="1"/>
+          </p:cNvSpPr>
+          <p:nvPr>
+            <p:ph type="title"/>
+          </p:nvPr>
+        </p:nvSpPr>
+        <p:spPr>
+          <a:xfrm>
+            <a:off x="422320" y="5105400"/>
+            <a:ext cx="8226380" cy="533400"/>
+          </a:xfrm>
+        </p:spPr>
+        <p:txBody>
+          <a:bodyPr/>
+          <a:lstStyle/>
+          <a:p>
+            <a:r>
+              <a:rPr lang="en-US" sz="3200" dirty="0"/>
+              <a:t>Staff management panel</a:t>
+            </a:r>
+          </a:p>
+        </p:txBody>
+      </p:sp>
+      <p:pic>
+        <p:nvPicPr>
+          <p:cNvPr id="4" name="Picture 3">
+            <a:extLst>
+              <a:ext uri="{FF2B5EF4-FFF2-40B4-BE49-F238E27FC236}">
+                <a16:creationId xmlns:a16="http://schemas.microsoft.com/office/drawing/2014/main" id="{BEB17D7D-F9DD-45D5-9915-33E48344F565}"/>
+              </a:ext>
+            </a:extLst>
+          </p:cNvPr>
+          <p:cNvPicPr>
+            <a:picLocks noChangeAspect="1"/>
+          </p:cNvPicPr>
+          <p:nvPr/>
+        </p:nvPicPr>
+        <p:blipFill>
+          <a:blip r:embed="rId2">
+            <a:extLst>
+              <a:ext uri="{28A0092B-C50C-407E-A947-70E740481C1C}">
+                <a14:useLocalDpi xmlns:a14="http://schemas.microsoft.com/office/drawing/2010/main" val="0"/>
+              </a:ext>
+            </a:extLst>
+          </a:blip>
+          <a:stretch>
+            <a:fillRect/>
+          </a:stretch>
+        </p:blipFill>
+        <p:spPr>
+          <a:xfrm>
+            <a:off x="247650" y="242880"/>
+            <a:ext cx="8648700" cy="4862520"/>
+          </a:xfrm>
+          <a:prstGeom prst="rect">
+            <a:avLst/>
+          </a:prstGeom>
+        </p:spPr>
+      </p:pic>
+    </p:spTree>
+    <p:extLst>
+      <p:ext uri="{BB962C8B-B14F-4D97-AF65-F5344CB8AC3E}">
+        <p14:creationId xmlns:p14="http://schemas.microsoft.com/office/powerpoint/2010/main" val="757342105"/>
+      </p:ext>
+    </p:extLst>
+  </p:cSld>
+  <p:clrMapOvr>
+    <a:masterClrMapping/>
+  </p:clrMapOvr>
+</p:sld>
+</file>
+
+<file path=ppt/slides/slide15.xml><?xml version="1.0" encoding="utf-8"?>
+<p:sld xmlns:a="http://schemas.openxmlformats.org/drawingml/2006/main" xmlns:r="http://schemas.openxmlformats.org/officeDocument/2006/relationships" xmlns:p="http://schemas.openxmlformats.org/presentationml/2006/main">
+  <p:cSld>
+    <p:spTree>
+      <p:nvGrpSpPr>
+        <p:cNvPr id="1" name=""/>
+        <p:cNvGrpSpPr/>
+        <p:nvPr/>
+      </p:nvGrpSpPr>
+      <p:grpSpPr>
+        <a:xfrm>
+          <a:off x="0" y="0"/>
+          <a:ext cx="0" cy="0"/>
+          <a:chOff x="0" y="0"/>
+          <a:chExt cx="0" cy="0"/>
+        </a:xfrm>
+      </p:grpSpPr>
+      <p:sp>
+        <p:nvSpPr>
+          <p:cNvPr id="2" name="Title 1"/>
+          <p:cNvSpPr>
+            <a:spLocks noGrp="1"/>
+          </p:cNvSpPr>
+          <p:nvPr>
+            <p:ph type="title"/>
+          </p:nvPr>
+        </p:nvSpPr>
+        <p:spPr>
+          <a:xfrm>
+            <a:off x="422320" y="5105400"/>
+            <a:ext cx="8226380" cy="533400"/>
+          </a:xfrm>
+        </p:spPr>
+        <p:txBody>
+          <a:bodyPr/>
+          <a:lstStyle/>
+          <a:p>
+            <a:r>
+              <a:rPr lang="en-US" sz="3200" dirty="0"/>
+              <a:t>Ways of </a:t>
+            </a:r>
+            <a:r>
+              <a:rPr lang="en-IN" sz="3200" dirty="0"/>
+              <a:t>adding questions</a:t>
+            </a:r>
+            <a:endParaRPr lang="en-US" sz="3200" dirty="0"/>
+          </a:p>
+        </p:txBody>
+      </p:sp>
+      <p:pic>
+        <p:nvPicPr>
+          <p:cNvPr id="4" name="Picture 3">
+            <a:extLst>
+              <a:ext uri="{FF2B5EF4-FFF2-40B4-BE49-F238E27FC236}">
+                <a16:creationId xmlns:a16="http://schemas.microsoft.com/office/drawing/2014/main" id="{1CA30AB9-CC7F-4882-AD89-BBC36E149B6B}"/>
+              </a:ext>
+            </a:extLst>
+          </p:cNvPr>
+          <p:cNvPicPr>
+            <a:picLocks noChangeAspect="1"/>
+          </p:cNvPicPr>
+          <p:nvPr/>
+        </p:nvPicPr>
+        <p:blipFill>
+          <a:blip r:embed="rId2">
+            <a:extLst>
+              <a:ext uri="{28A0092B-C50C-407E-A947-70E740481C1C}">
+                <a14:useLocalDpi xmlns:a14="http://schemas.microsoft.com/office/drawing/2010/main" val="0"/>
+              </a:ext>
+            </a:extLst>
+          </a:blip>
+          <a:stretch>
+            <a:fillRect/>
+          </a:stretch>
+        </p:blipFill>
+        <p:spPr>
+          <a:xfrm>
+            <a:off x="399782" y="315640"/>
+            <a:ext cx="8471563" cy="4762929"/>
+          </a:xfrm>
+          <a:prstGeom prst="rect">
+            <a:avLst/>
+          </a:prstGeom>
+        </p:spPr>
+      </p:pic>
+    </p:spTree>
+    <p:extLst>
+      <p:ext uri="{BB962C8B-B14F-4D97-AF65-F5344CB8AC3E}">
+        <p14:creationId xmlns:p14="http://schemas.microsoft.com/office/powerpoint/2010/main" val="2663425346"/>
+      </p:ext>
+    </p:extLst>
+  </p:cSld>
+  <p:clrMapOvr>
+    <a:masterClrMapping/>
+  </p:clrMapOvr>
+</p:sld>
+</file>
+
+<file path=ppt/slides/slide16.xml><?xml version="1.0" encoding="utf-8"?>
+<p:sld xmlns:a="http://schemas.openxmlformats.org/drawingml/2006/main" xmlns:r="http://schemas.openxmlformats.org/officeDocument/2006/relationships" xmlns:p="http://schemas.openxmlformats.org/presentationml/2006/main">
+  <p:cSld>
+    <p:spTree>
+      <p:nvGrpSpPr>
+        <p:cNvPr id="1" name=""/>
+        <p:cNvGrpSpPr/>
+        <p:nvPr/>
+      </p:nvGrpSpPr>
+      <p:grpSpPr>
+        <a:xfrm>
+          <a:off x="0" y="0"/>
+          <a:ext cx="0" cy="0"/>
+          <a:chOff x="0" y="0"/>
+          <a:chExt cx="0" cy="0"/>
+        </a:xfrm>
+      </p:grpSpPr>
+      <p:sp>
+        <p:nvSpPr>
+          <p:cNvPr id="2" name="Title 1"/>
+          <p:cNvSpPr>
+            <a:spLocks noGrp="1"/>
+          </p:cNvSpPr>
+          <p:nvPr>
+            <p:ph type="title"/>
+          </p:nvPr>
+        </p:nvSpPr>
+        <p:spPr>
+          <a:xfrm>
+            <a:off x="422320" y="5105400"/>
+            <a:ext cx="8226380" cy="533400"/>
+          </a:xfrm>
+        </p:spPr>
+        <p:txBody>
+          <a:bodyPr/>
+          <a:lstStyle/>
+          <a:p>
+            <a:r>
+              <a:rPr lang="en-US" sz="3200" dirty="0"/>
+              <a:t>Adding questions via file upload</a:t>
+            </a:r>
+          </a:p>
+        </p:txBody>
+      </p:sp>
+      <p:pic>
+        <p:nvPicPr>
+          <p:cNvPr id="4" name="Picture 3">
+            <a:extLst>
+              <a:ext uri="{FF2B5EF4-FFF2-40B4-BE49-F238E27FC236}">
+                <a16:creationId xmlns:a16="http://schemas.microsoft.com/office/drawing/2014/main" id="{861D393F-A6BA-464A-A6DC-78D4519DAD1E}"/>
+              </a:ext>
+            </a:extLst>
+          </p:cNvPr>
+          <p:cNvPicPr>
+            <a:picLocks noChangeAspect="1"/>
+          </p:cNvPicPr>
+          <p:nvPr/>
+        </p:nvPicPr>
+        <p:blipFill>
+          <a:blip r:embed="rId2">
+            <a:extLst>
+              <a:ext uri="{28A0092B-C50C-407E-A947-70E740481C1C}">
+                <a14:useLocalDpi xmlns:a14="http://schemas.microsoft.com/office/drawing/2010/main" val="0"/>
+              </a:ext>
+            </a:extLst>
+          </a:blip>
+          <a:stretch>
+            <a:fillRect/>
+          </a:stretch>
+        </p:blipFill>
+        <p:spPr>
+          <a:xfrm>
+            <a:off x="346945" y="354533"/>
+            <a:ext cx="8450109" cy="4750867"/>
+          </a:xfrm>
+          <a:prstGeom prst="rect">
+            <a:avLst/>
+          </a:prstGeom>
+        </p:spPr>
+      </p:pic>
+    </p:spTree>
+    <p:extLst>
+      <p:ext uri="{BB962C8B-B14F-4D97-AF65-F5344CB8AC3E}">
+        <p14:creationId xmlns:p14="http://schemas.microsoft.com/office/powerpoint/2010/main" val="2862005090"/>
+      </p:ext>
+    </p:extLst>
+  </p:cSld>
+  <p:clrMapOvr>
+    <a:masterClrMapping/>
+  </p:clrMapOvr>
+</p:sld>
+</file>
+
+<file path=ppt/slides/slide17.xml><?xml version="1.0" encoding="utf-8"?>
+<p:sld xmlns:a="http://schemas.openxmlformats.org/drawingml/2006/main" xmlns:r="http://schemas.openxmlformats.org/officeDocument/2006/relationships" xmlns:p="http://schemas.openxmlformats.org/presentationml/2006/main">
+  <p:cSld>
+    <p:spTree>
+      <p:nvGrpSpPr>
+        <p:cNvPr id="1" name=""/>
+        <p:cNvGrpSpPr/>
+        <p:nvPr/>
+      </p:nvGrpSpPr>
+      <p:grpSpPr>
+        <a:xfrm>
+          <a:off x="0" y="0"/>
+          <a:ext cx="0" cy="0"/>
+          <a:chOff x="0" y="0"/>
+          <a:chExt cx="0" cy="0"/>
+        </a:xfrm>
+      </p:grpSpPr>
+      <p:sp>
+        <p:nvSpPr>
+          <p:cNvPr id="2" name="Title 1"/>
+          <p:cNvSpPr>
+            <a:spLocks noGrp="1"/>
+          </p:cNvSpPr>
+          <p:nvPr>
+            <p:ph type="title"/>
+          </p:nvPr>
+        </p:nvSpPr>
+        <p:spPr>
+          <a:xfrm>
+            <a:off x="422320" y="5105400"/>
+            <a:ext cx="8226380" cy="533400"/>
+          </a:xfrm>
+        </p:spPr>
+        <p:txBody>
+          <a:bodyPr/>
+          <a:lstStyle/>
+          <a:p>
+            <a:r>
+              <a:rPr lang="en-US" sz="3200" dirty="0"/>
+              <a:t>Generating questions </a:t>
+            </a:r>
+            <a:r>
+              <a:rPr lang="en-IN" sz="3200" dirty="0"/>
+              <a:t>from paragraph</a:t>
+            </a:r>
+            <a:endParaRPr lang="en-US" sz="3200" dirty="0"/>
+          </a:p>
+        </p:txBody>
+      </p:sp>
+      <p:pic>
+        <p:nvPicPr>
+          <p:cNvPr id="4" name="Picture 3">
+            <a:extLst>
+              <a:ext uri="{FF2B5EF4-FFF2-40B4-BE49-F238E27FC236}">
+                <a16:creationId xmlns:a16="http://schemas.microsoft.com/office/drawing/2014/main" id="{F526A875-CECA-44FF-8E34-D6BEF686697A}"/>
+              </a:ext>
+            </a:extLst>
+          </p:cNvPr>
+          <p:cNvPicPr>
+            <a:picLocks noChangeAspect="1"/>
+          </p:cNvPicPr>
+          <p:nvPr/>
+        </p:nvPicPr>
+        <p:blipFill>
+          <a:blip r:embed="rId2">
+            <a:extLst>
+              <a:ext uri="{28A0092B-C50C-407E-A947-70E740481C1C}">
+                <a14:useLocalDpi xmlns:a14="http://schemas.microsoft.com/office/drawing/2010/main" val="0"/>
+              </a:ext>
+            </a:extLst>
+          </a:blip>
+          <a:stretch>
+            <a:fillRect/>
+          </a:stretch>
+        </p:blipFill>
+        <p:spPr>
+          <a:xfrm>
+            <a:off x="253008" y="248905"/>
+            <a:ext cx="8637984" cy="4856495"/>
+          </a:xfrm>
+          <a:prstGeom prst="rect">
+            <a:avLst/>
+          </a:prstGeom>
+        </p:spPr>
+      </p:pic>
+    </p:spTree>
+    <p:extLst>
+      <p:ext uri="{BB962C8B-B14F-4D97-AF65-F5344CB8AC3E}">
+        <p14:creationId xmlns:p14="http://schemas.microsoft.com/office/powerpoint/2010/main" val="3639791938"/>
+      </p:ext>
+    </p:extLst>
+  </p:cSld>
+  <p:clrMapOvr>
+    <a:masterClrMapping/>
+  </p:clrMapOvr>
+</p:sld>
+</file>
+
+<file path=ppt/slides/slide18.xml><?xml version="1.0" encoding="utf-8"?>
+<p:sld xmlns:a="http://schemas.openxmlformats.org/drawingml/2006/main" xmlns:r="http://schemas.openxmlformats.org/officeDocument/2006/relationships" xmlns:p="http://schemas.openxmlformats.org/presentationml/2006/main">
+  <p:cSld>
+    <p:spTree>
+      <p:nvGrpSpPr>
+        <p:cNvPr id="1" name=""/>
+        <p:cNvGrpSpPr/>
+        <p:nvPr/>
+      </p:nvGrpSpPr>
+      <p:grpSpPr>
+        <a:xfrm>
+          <a:off x="0" y="0"/>
+          <a:ext cx="0" cy="0"/>
+          <a:chOff x="0" y="0"/>
+          <a:chExt cx="0" cy="0"/>
+        </a:xfrm>
+      </p:grpSpPr>
+      <p:sp>
+        <p:nvSpPr>
+          <p:cNvPr id="2" name="Title 1"/>
+          <p:cNvSpPr>
+            <a:spLocks noGrp="1"/>
+          </p:cNvSpPr>
+          <p:nvPr>
+            <p:ph type="title"/>
+          </p:nvPr>
+        </p:nvSpPr>
+        <p:spPr>
+          <a:xfrm>
+            <a:off x="422320" y="5105400"/>
+            <a:ext cx="8226380" cy="533400"/>
+          </a:xfrm>
+        </p:spPr>
+        <p:txBody>
+          <a:bodyPr/>
+          <a:lstStyle/>
+          <a:p>
+            <a:r>
+              <a:rPr lang="en-US" sz="3200" dirty="0"/>
+              <a:t>Questions repository</a:t>
+            </a:r>
+          </a:p>
+        </p:txBody>
+      </p:sp>
+      <p:pic>
+        <p:nvPicPr>
+          <p:cNvPr id="5" name="Picture 4">
+            <a:extLst>
+              <a:ext uri="{FF2B5EF4-FFF2-40B4-BE49-F238E27FC236}">
+                <a16:creationId xmlns:a16="http://schemas.microsoft.com/office/drawing/2014/main" id="{A1B4E4E5-6527-4DEC-AE9F-43819AAC8A64}"/>
+              </a:ext>
+            </a:extLst>
+          </p:cNvPr>
+          <p:cNvPicPr>
+            <a:picLocks noChangeAspect="1"/>
+          </p:cNvPicPr>
+          <p:nvPr/>
+        </p:nvPicPr>
+        <p:blipFill>
+          <a:blip r:embed="rId2">
+            <a:extLst>
+              <a:ext uri="{28A0092B-C50C-407E-A947-70E740481C1C}">
+                <a14:useLocalDpi xmlns:a14="http://schemas.microsoft.com/office/drawing/2010/main" val="0"/>
+              </a:ext>
+            </a:extLst>
+          </a:blip>
+          <a:stretch>
+            <a:fillRect/>
+          </a:stretch>
+        </p:blipFill>
+        <p:spPr>
+          <a:xfrm>
+            <a:off x="253008" y="246759"/>
+            <a:ext cx="8637984" cy="4856495"/>
+          </a:xfrm>
+          <a:prstGeom prst="rect">
+            <a:avLst/>
+          </a:prstGeom>
+        </p:spPr>
+      </p:pic>
+    </p:spTree>
+    <p:extLst>
+      <p:ext uri="{BB962C8B-B14F-4D97-AF65-F5344CB8AC3E}">
+        <p14:creationId xmlns:p14="http://schemas.microsoft.com/office/powerpoint/2010/main" val="3785097026"/>
+      </p:ext>
+    </p:extLst>
+  </p:cSld>
+  <p:clrMapOvr>
+    <a:masterClrMapping/>
+  </p:clrMapOvr>
+</p:sld>
+</file>
+
 <file path=ppt/slides/slide2.xml><?xml version="1.0" encoding="utf-8"?>
 <p:sld xmlns:a="http://schemas.openxmlformats.org/drawingml/2006/main" xmlns:r="http://schemas.openxmlformats.org/officeDocument/2006/relationships" xmlns:p="http://schemas.openxmlformats.org/presentationml/2006/main">
   <p:cSld>
@@ -3609,13 +4467,8 @@
           <a:p>
             <a:r>
               <a:rPr lang="en-US" dirty="0"/>
-              <a:t>Use Case </a:t>
-            </a:r>
-            <a:r>
-              <a:rPr lang="en-US" dirty="0" err="1"/>
-              <a:t>Diagaram</a:t>
-            </a:r>
-            <a:endParaRPr lang="en-US" dirty="0"/>
+              <a:t>Use Case Diagram</a:t>
+            </a:r>
           </a:p>
         </p:txBody>
       </p:sp>
@@ -4038,6 +4891,156 @@
     <p:extLst>
       <p:ext uri="{BB962C8B-B14F-4D97-AF65-F5344CB8AC3E}">
         <p14:creationId xmlns:p14="http://schemas.microsoft.com/office/powerpoint/2010/main" val="1832261731"/>
+      </p:ext>
+    </p:extLst>
+  </p:cSld>
+  <p:clrMapOvr>
+    <a:masterClrMapping/>
+  </p:clrMapOvr>
+</p:sld>
+</file>
+
+<file path=ppt/slides/slide8.xml><?xml version="1.0" encoding="utf-8"?>
+<p:sld xmlns:a="http://schemas.openxmlformats.org/drawingml/2006/main" xmlns:r="http://schemas.openxmlformats.org/officeDocument/2006/relationships" xmlns:p="http://schemas.openxmlformats.org/presentationml/2006/main">
+  <p:cSld>
+    <p:spTree>
+      <p:nvGrpSpPr>
+        <p:cNvPr id="1" name=""/>
+        <p:cNvGrpSpPr/>
+        <p:nvPr/>
+      </p:nvGrpSpPr>
+      <p:grpSpPr>
+        <a:xfrm>
+          <a:off x="0" y="0"/>
+          <a:ext cx="0" cy="0"/>
+          <a:chOff x="0" y="0"/>
+          <a:chExt cx="0" cy="0"/>
+        </a:xfrm>
+      </p:grpSpPr>
+      <p:sp>
+        <p:nvSpPr>
+          <p:cNvPr id="2" name="Title 1"/>
+          <p:cNvSpPr>
+            <a:spLocks noGrp="1"/>
+          </p:cNvSpPr>
+          <p:nvPr>
+            <p:ph type="title"/>
+          </p:nvPr>
+        </p:nvSpPr>
+        <p:spPr>
+          <a:xfrm>
+            <a:off x="457200" y="0"/>
+            <a:ext cx="8229600" cy="3733800"/>
+          </a:xfrm>
+        </p:spPr>
+        <p:txBody>
+          <a:bodyPr/>
+          <a:lstStyle/>
+          <a:p>
+            <a:r>
+              <a:rPr lang="en-US" dirty="0"/>
+              <a:t>Snapshots =&gt;</a:t>
+            </a:r>
+          </a:p>
+        </p:txBody>
+      </p:sp>
+    </p:spTree>
+    <p:extLst>
+      <p:ext uri="{BB962C8B-B14F-4D97-AF65-F5344CB8AC3E}">
+        <p14:creationId xmlns:p14="http://schemas.microsoft.com/office/powerpoint/2010/main" val="1802804959"/>
+      </p:ext>
+    </p:extLst>
+  </p:cSld>
+  <p:clrMapOvr>
+    <a:masterClrMapping/>
+  </p:clrMapOvr>
+</p:sld>
+</file>
+
+<file path=ppt/slides/slide9.xml><?xml version="1.0" encoding="utf-8"?>
+<p:sld xmlns:a="http://schemas.openxmlformats.org/drawingml/2006/main" xmlns:r="http://schemas.openxmlformats.org/officeDocument/2006/relationships" xmlns:p="http://schemas.openxmlformats.org/presentationml/2006/main">
+  <p:cSld>
+    <p:spTree>
+      <p:nvGrpSpPr>
+        <p:cNvPr id="1" name=""/>
+        <p:cNvGrpSpPr/>
+        <p:nvPr/>
+      </p:nvGrpSpPr>
+      <p:grpSpPr>
+        <a:xfrm>
+          <a:off x="0" y="0"/>
+          <a:ext cx="0" cy="0"/>
+          <a:chOff x="0" y="0"/>
+          <a:chExt cx="0" cy="0"/>
+        </a:xfrm>
+      </p:grpSpPr>
+      <p:sp>
+        <p:nvSpPr>
+          <p:cNvPr id="2" name="Title 1"/>
+          <p:cNvSpPr>
+            <a:spLocks noGrp="1"/>
+          </p:cNvSpPr>
+          <p:nvPr>
+            <p:ph type="title"/>
+          </p:nvPr>
+        </p:nvSpPr>
+        <p:spPr>
+          <a:xfrm>
+            <a:off x="422320" y="5105400"/>
+            <a:ext cx="8226380" cy="533400"/>
+          </a:xfrm>
+        </p:spPr>
+        <p:txBody>
+          <a:bodyPr/>
+          <a:lstStyle/>
+          <a:p>
+            <a:r>
+              <a:rPr lang="en-US" sz="3200" dirty="0"/>
+              <a:t>Login – Admin &amp; Staff</a:t>
+            </a:r>
+          </a:p>
+        </p:txBody>
+      </p:sp>
+      <p:pic>
+        <p:nvPicPr>
+          <p:cNvPr id="4" name="Picture 3">
+            <a:extLst>
+              <a:ext uri="{FF2B5EF4-FFF2-40B4-BE49-F238E27FC236}">
+                <a16:creationId xmlns:a16="http://schemas.microsoft.com/office/drawing/2014/main" id="{62110042-79F5-49F8-BD78-B83BC90CF9CE}"/>
+              </a:ext>
+            </a:extLst>
+          </p:cNvPr>
+          <p:cNvPicPr>
+            <a:picLocks noChangeAspect="1"/>
+          </p:cNvPicPr>
+          <p:nvPr/>
+        </p:nvPicPr>
+        <p:blipFill>
+          <a:blip r:embed="rId2">
+            <a:extLst>
+              <a:ext uri="{28A0092B-C50C-407E-A947-70E740481C1C}">
+                <a14:useLocalDpi xmlns:a14="http://schemas.microsoft.com/office/drawing/2010/main" val="0"/>
+              </a:ext>
+            </a:extLst>
+          </a:blip>
+          <a:stretch>
+            <a:fillRect/>
+          </a:stretch>
+        </p:blipFill>
+        <p:spPr>
+          <a:xfrm>
+            <a:off x="463103" y="228600"/>
+            <a:ext cx="8153400" cy="4584049"/>
+          </a:xfrm>
+          <a:prstGeom prst="rect">
+            <a:avLst/>
+          </a:prstGeom>
+        </p:spPr>
+      </p:pic>
+    </p:spTree>
+    <p:extLst>
+      <p:ext uri="{BB962C8B-B14F-4D97-AF65-F5344CB8AC3E}">
+        <p14:creationId xmlns:p14="http://schemas.microsoft.com/office/powerpoint/2010/main" val="2070367636"/>
       </p:ext>
     </p:extLst>
   </p:cSld>
